--- a/새 프레젠테이션 문서.pptx
+++ b/새 프레젠테이션 문서.pptx
@@ -7,6 +7,7 @@
   <p:sldIdLst>
     <p:sldId id="256" r:id="rId2"/>
     <p:sldId id="257" r:id="rId3"/>
+    <p:sldId id="258" r:id="rId4"/>
   </p:sldIdLst>
   <p:sldSz cx="12192000" cy="6858000"/>
   <p:notesSz cx="6858000" cy="9144000"/>
@@ -272,7 +273,7 @@
           <a:p>
             <a:fld id="{8575B35D-A278-44C6-AD5C-E19E89C1CEA4}" type="datetimeFigureOut">
               <a:rPr lang="ko-KR" altLang="en-US" smtClean="0"/>
-              <a:t>09-10(Tue)</a:t>
+              <a:t>09-24(Tue)</a:t>
             </a:fld>
             <a:endParaRPr lang="ko-KR" altLang="en-US"/>
           </a:p>
@@ -470,7 +471,7 @@
           <a:p>
             <a:fld id="{8575B35D-A278-44C6-AD5C-E19E89C1CEA4}" type="datetimeFigureOut">
               <a:rPr lang="ko-KR" altLang="en-US" smtClean="0"/>
-              <a:t>09-10(Tue)</a:t>
+              <a:t>09-24(Tue)</a:t>
             </a:fld>
             <a:endParaRPr lang="ko-KR" altLang="en-US"/>
           </a:p>
@@ -678,7 +679,7 @@
           <a:p>
             <a:fld id="{8575B35D-A278-44C6-AD5C-E19E89C1CEA4}" type="datetimeFigureOut">
               <a:rPr lang="ko-KR" altLang="en-US" smtClean="0"/>
-              <a:t>09-10(Tue)</a:t>
+              <a:t>09-24(Tue)</a:t>
             </a:fld>
             <a:endParaRPr lang="ko-KR" altLang="en-US"/>
           </a:p>
@@ -876,7 +877,7 @@
           <a:p>
             <a:fld id="{8575B35D-A278-44C6-AD5C-E19E89C1CEA4}" type="datetimeFigureOut">
               <a:rPr lang="ko-KR" altLang="en-US" smtClean="0"/>
-              <a:t>09-10(Tue)</a:t>
+              <a:t>09-24(Tue)</a:t>
             </a:fld>
             <a:endParaRPr lang="ko-KR" altLang="en-US"/>
           </a:p>
@@ -1151,7 +1152,7 @@
           <a:p>
             <a:fld id="{8575B35D-A278-44C6-AD5C-E19E89C1CEA4}" type="datetimeFigureOut">
               <a:rPr lang="ko-KR" altLang="en-US" smtClean="0"/>
-              <a:t>09-10(Tue)</a:t>
+              <a:t>09-24(Tue)</a:t>
             </a:fld>
             <a:endParaRPr lang="ko-KR" altLang="en-US"/>
           </a:p>
@@ -1416,7 +1417,7 @@
           <a:p>
             <a:fld id="{8575B35D-A278-44C6-AD5C-E19E89C1CEA4}" type="datetimeFigureOut">
               <a:rPr lang="ko-KR" altLang="en-US" smtClean="0"/>
-              <a:t>09-10(Tue)</a:t>
+              <a:t>09-24(Tue)</a:t>
             </a:fld>
             <a:endParaRPr lang="ko-KR" altLang="en-US"/>
           </a:p>
@@ -1828,7 +1829,7 @@
           <a:p>
             <a:fld id="{8575B35D-A278-44C6-AD5C-E19E89C1CEA4}" type="datetimeFigureOut">
               <a:rPr lang="ko-KR" altLang="en-US" smtClean="0"/>
-              <a:t>09-10(Tue)</a:t>
+              <a:t>09-24(Tue)</a:t>
             </a:fld>
             <a:endParaRPr lang="ko-KR" altLang="en-US"/>
           </a:p>
@@ -1969,7 +1970,7 @@
           <a:p>
             <a:fld id="{8575B35D-A278-44C6-AD5C-E19E89C1CEA4}" type="datetimeFigureOut">
               <a:rPr lang="ko-KR" altLang="en-US" smtClean="0"/>
-              <a:t>09-10(Tue)</a:t>
+              <a:t>09-24(Tue)</a:t>
             </a:fld>
             <a:endParaRPr lang="ko-KR" altLang="en-US"/>
           </a:p>
@@ -2082,7 +2083,7 @@
           <a:p>
             <a:fld id="{8575B35D-A278-44C6-AD5C-E19E89C1CEA4}" type="datetimeFigureOut">
               <a:rPr lang="ko-KR" altLang="en-US" smtClean="0"/>
-              <a:t>09-10(Tue)</a:t>
+              <a:t>09-24(Tue)</a:t>
             </a:fld>
             <a:endParaRPr lang="ko-KR" altLang="en-US"/>
           </a:p>
@@ -2393,7 +2394,7 @@
           <a:p>
             <a:fld id="{8575B35D-A278-44C6-AD5C-E19E89C1CEA4}" type="datetimeFigureOut">
               <a:rPr lang="ko-KR" altLang="en-US" smtClean="0"/>
-              <a:t>09-10(Tue)</a:t>
+              <a:t>09-24(Tue)</a:t>
             </a:fld>
             <a:endParaRPr lang="ko-KR" altLang="en-US"/>
           </a:p>
@@ -2681,7 +2682,7 @@
           <a:p>
             <a:fld id="{8575B35D-A278-44C6-AD5C-E19E89C1CEA4}" type="datetimeFigureOut">
               <a:rPr lang="ko-KR" altLang="en-US" smtClean="0"/>
-              <a:t>09-10(Tue)</a:t>
+              <a:t>09-24(Tue)</a:t>
             </a:fld>
             <a:endParaRPr lang="ko-KR" altLang="en-US"/>
           </a:p>
@@ -2922,7 +2923,7 @@
           <a:p>
             <a:fld id="{8575B35D-A278-44C6-AD5C-E19E89C1CEA4}" type="datetimeFigureOut">
               <a:rPr lang="ko-KR" altLang="en-US" smtClean="0"/>
-              <a:t>09-10(Tue)</a:t>
+              <a:t>09-24(Tue)</a:t>
             </a:fld>
             <a:endParaRPr lang="ko-KR" altLang="en-US"/>
           </a:p>
@@ -3892,6 +3893,158 @@
 </p:sld>
 </file>
 
+<file path=ppt/slides/slide3.xml><?xml version="1.0" encoding="utf-8"?>
+<p:sld xmlns:a="http://schemas.openxmlformats.org/drawingml/2006/main" xmlns:r="http://schemas.openxmlformats.org/officeDocument/2006/relationships" xmlns:p="http://schemas.openxmlformats.org/presentationml/2006/main">
+  <p:cSld>
+    <p:spTree>
+      <p:nvGrpSpPr>
+        <p:cNvPr id="1" name=""/>
+        <p:cNvGrpSpPr/>
+        <p:nvPr/>
+      </p:nvGrpSpPr>
+      <p:grpSpPr>
+        <a:xfrm>
+          <a:off x="0" y="0"/>
+          <a:ext cx="0" cy="0"/>
+          <a:chOff x="0" y="0"/>
+          <a:chExt cx="0" cy="0"/>
+        </a:xfrm>
+      </p:grpSpPr>
+      <p:pic>
+        <p:nvPicPr>
+          <p:cNvPr id="5" name="그림 4">
+            <a:extLst>
+              <a:ext uri="{FF2B5EF4-FFF2-40B4-BE49-F238E27FC236}">
+                <a16:creationId xmlns:a16="http://schemas.microsoft.com/office/drawing/2014/main" id="{A1CD5F0A-D8E3-5419-8C5E-F9584D75A0BB}"/>
+              </a:ext>
+            </a:extLst>
+          </p:cNvPr>
+          <p:cNvPicPr>
+            <a:picLocks noChangeAspect="1"/>
+          </p:cNvPicPr>
+          <p:nvPr/>
+        </p:nvPicPr>
+        <p:blipFill>
+          <a:blip r:embed="rId2"/>
+          <a:stretch>
+            <a:fillRect/>
+          </a:stretch>
+        </p:blipFill>
+        <p:spPr>
+          <a:xfrm>
+            <a:off x="1913941" y="1676271"/>
+            <a:ext cx="2781688" cy="1829055"/>
+          </a:xfrm>
+          <a:prstGeom prst="rect">
+            <a:avLst/>
+          </a:prstGeom>
+        </p:spPr>
+      </p:pic>
+      <p:pic>
+        <p:nvPicPr>
+          <p:cNvPr id="7" name="그림 6">
+            <a:extLst>
+              <a:ext uri="{FF2B5EF4-FFF2-40B4-BE49-F238E27FC236}">
+                <a16:creationId xmlns:a16="http://schemas.microsoft.com/office/drawing/2014/main" id="{C4D34013-6652-0C51-5D9B-347F41B9B8E0}"/>
+              </a:ext>
+            </a:extLst>
+          </p:cNvPr>
+          <p:cNvPicPr>
+            <a:picLocks noChangeAspect="1"/>
+          </p:cNvPicPr>
+          <p:nvPr/>
+        </p:nvPicPr>
+        <p:blipFill>
+          <a:blip r:embed="rId3"/>
+          <a:stretch>
+            <a:fillRect/>
+          </a:stretch>
+        </p:blipFill>
+        <p:spPr>
+          <a:xfrm>
+            <a:off x="1913941" y="811162"/>
+            <a:ext cx="8364117" cy="714475"/>
+          </a:xfrm>
+          <a:prstGeom prst="rect">
+            <a:avLst/>
+          </a:prstGeom>
+        </p:spPr>
+      </p:pic>
+      <p:sp>
+        <p:nvSpPr>
+          <p:cNvPr id="8" name="TextBox 7">
+            <a:extLst>
+              <a:ext uri="{FF2B5EF4-FFF2-40B4-BE49-F238E27FC236}">
+                <a16:creationId xmlns:a16="http://schemas.microsoft.com/office/drawing/2014/main" id="{8880EF34-A286-2995-EBEF-A87434F92882}"/>
+              </a:ext>
+            </a:extLst>
+          </p:cNvPr>
+          <p:cNvSpPr txBox="1"/>
+          <p:nvPr/>
+        </p:nvSpPr>
+        <p:spPr>
+          <a:xfrm>
+            <a:off x="2082800" y="4301066"/>
+            <a:ext cx="9345764" cy="646331"/>
+          </a:xfrm>
+          <a:prstGeom prst="rect">
+            <a:avLst/>
+          </a:prstGeom>
+          <a:noFill/>
+        </p:spPr>
+        <p:txBody>
+          <a:bodyPr wrap="none" rtlCol="0">
+            <a:spAutoFit/>
+          </a:bodyPr>
+          <a:lstStyle/>
+          <a:p>
+            <a:r>
+              <a:rPr lang="en-US" altLang="ko-KR" dirty="0"/>
+              <a:t>TTL </a:t>
+            </a:r>
+            <a:r>
+              <a:rPr lang="ko-KR" altLang="en-US" dirty="0"/>
+              <a:t>인덱스 설정을 통해 데이터를 어느 정도의 기간만큼 보관할지에 대해 결정할 수 있다</a:t>
+            </a:r>
+            <a:r>
+              <a:rPr lang="en-US" altLang="ko-KR" dirty="0"/>
+              <a:t>.</a:t>
+            </a:r>
+          </a:p>
+          <a:p>
+            <a:r>
+              <a:rPr lang="ko-KR" altLang="en-US" dirty="0"/>
+              <a:t>누적된 데이터가 </a:t>
+            </a:r>
+            <a:r>
+              <a:rPr lang="en-US" altLang="ko-KR" dirty="0"/>
+              <a:t>TTL </a:t>
+            </a:r>
+            <a:r>
+              <a:rPr lang="ko-KR" altLang="en-US" dirty="0"/>
+              <a:t>설정으로 인해 데이터양이 점점 감소하는 것을 볼 수 있다</a:t>
+            </a:r>
+            <a:r>
+              <a:rPr lang="en-US" altLang="ko-KR" dirty="0"/>
+              <a:t>.</a:t>
+            </a:r>
+            <a:endParaRPr lang="ko-KR" altLang="en-US" dirty="0"/>
+          </a:p>
+        </p:txBody>
+      </p:sp>
+    </p:spTree>
+    <p:extLst>
+      <p:ext uri="{BB962C8B-B14F-4D97-AF65-F5344CB8AC3E}">
+        <p14:creationId xmlns:p14="http://schemas.microsoft.com/office/powerpoint/2010/main" val="123357042"/>
+      </p:ext>
+    </p:extLst>
+  </p:cSld>
+  <p:clrMapOvr>
+    <a:masterClrMapping/>
+  </p:clrMapOvr>
+</p:sld>
+</file>
+
 <file path=ppt/theme/theme1.xml><?xml version="1.0" encoding="utf-8"?>
 <a:theme xmlns:a="http://schemas.openxmlformats.org/drawingml/2006/main" name="Office 테마">
   <a:themeElements>
